--- a/Data Structures/Satcks.pptx
+++ b/Data Structures/Satcks.pptx
@@ -5,15 +5,14 @@
     <p:sldMasterId id="2147483648" r:id="rId1"/>
   </p:sldMasterIdLst>
   <p:notesMasterIdLst>
-    <p:notesMasterId r:id="rId5"/>
+    <p:notesMasterId r:id="rId4"/>
   </p:notesMasterIdLst>
   <p:handoutMasterIdLst>
-    <p:handoutMasterId r:id="rId6"/>
+    <p:handoutMasterId r:id="rId5"/>
   </p:handoutMasterIdLst>
   <p:sldIdLst>
     <p:sldId id="257" r:id="rId2"/>
-    <p:sldId id="259" r:id="rId3"/>
-    <p:sldId id="260" r:id="rId4"/>
+    <p:sldId id="258" r:id="rId3"/>
   </p:sldIdLst>
   <p:sldSz cx="12192000" cy="6858000"/>
   <p:notesSz cx="6858000" cy="9144000"/>
@@ -206,7 +205,7 @@
           <a:p>
             <a:fld id="{0BDBD1D9-3FDD-4C60-943B-7DAF7F36BBC8}" type="datetimeFigureOut">
               <a:rPr lang="en-US" smtClean="0"/>
-              <a:t>4/15/2023</a:t>
+              <a:t>4/18/2023</a:t>
             </a:fld>
             <a:endParaRPr lang="en-US"/>
           </a:p>
@@ -376,7 +375,7 @@
           <a:p>
             <a:fld id="{9D616595-FEC1-48C1-9F92-C9F2B53F8F7E}" type="datetimeFigureOut">
               <a:rPr lang="en-US" smtClean="0"/>
-              <a:t>4/15/2023</a:t>
+              <a:t>4/18/2023</a:t>
             </a:fld>
             <a:endParaRPr lang="en-US"/>
           </a:p>
@@ -776,7 +775,7 @@
           <a:p>
             <a:fld id="{B6B7FAE0-0E2F-46B3-8201-91E6E9B9B009}" type="datetime1">
               <a:rPr lang="en-US" smtClean="0"/>
-              <a:t>4/15/2023</a:t>
+              <a:t>4/18/2023</a:t>
             </a:fld>
             <a:endParaRPr lang="en-US"/>
           </a:p>
@@ -950,7 +949,7 @@
           <a:p>
             <a:fld id="{B5E1F229-E5A2-4C35-8F60-41C0B4B8982D}" type="datetime1">
               <a:rPr lang="en-US" smtClean="0"/>
-              <a:t>4/15/2023</a:t>
+              <a:t>4/18/2023</a:t>
             </a:fld>
             <a:endParaRPr lang="en-US"/>
           </a:p>
@@ -1134,7 +1133,7 @@
           <a:p>
             <a:fld id="{AEC696E9-F878-4549-9CE6-89505440F0C4}" type="datetime1">
               <a:rPr lang="en-US" smtClean="0"/>
-              <a:t>4/15/2023</a:t>
+              <a:t>4/18/2023</a:t>
             </a:fld>
             <a:endParaRPr lang="en-US"/>
           </a:p>
@@ -1308,7 +1307,7 @@
           <a:p>
             <a:fld id="{65B9B7B7-040C-48DF-90E7-24B60089BDA7}" type="datetime1">
               <a:rPr lang="en-US" smtClean="0"/>
-              <a:t>4/15/2023</a:t>
+              <a:t>4/18/2023</a:t>
             </a:fld>
             <a:endParaRPr lang="en-US"/>
           </a:p>
@@ -1558,7 +1557,7 @@
           <a:p>
             <a:fld id="{22EC016E-244F-4B07-B4BC-314D748F5853}" type="datetime1">
               <a:rPr lang="en-US" smtClean="0"/>
-              <a:t>4/15/2023</a:t>
+              <a:t>4/18/2023</a:t>
             </a:fld>
             <a:endParaRPr lang="en-US"/>
           </a:p>
@@ -1794,7 +1793,7 @@
           <a:p>
             <a:fld id="{A892E0EA-252A-45D6-B969-59F7EDC4D784}" type="datetime1">
               <a:rPr lang="en-US" smtClean="0"/>
-              <a:t>4/15/2023</a:t>
+              <a:t>4/18/2023</a:t>
             </a:fld>
             <a:endParaRPr lang="en-US"/>
           </a:p>
@@ -2165,7 +2164,7 @@
           <a:p>
             <a:fld id="{659E6B5E-4CF8-4009-96C5-9AF730EBDE63}" type="datetime1">
               <a:rPr lang="en-US" smtClean="0"/>
-              <a:t>4/15/2023</a:t>
+              <a:t>4/18/2023</a:t>
             </a:fld>
             <a:endParaRPr lang="en-US"/>
           </a:p>
@@ -2287,7 +2286,7 @@
           <a:p>
             <a:fld id="{D27109C5-2C47-46B2-9DFB-E1CFDD15C7EF}" type="datetime1">
               <a:rPr lang="en-US" smtClean="0"/>
-              <a:t>4/15/2023</a:t>
+              <a:t>4/18/2023</a:t>
             </a:fld>
             <a:endParaRPr lang="en-US"/>
           </a:p>
@@ -2386,7 +2385,7 @@
           <a:p>
             <a:fld id="{86D6E499-D4FC-4A15-8D3C-923D81848AAD}" type="datetime1">
               <a:rPr lang="en-US" smtClean="0"/>
-              <a:t>4/15/2023</a:t>
+              <a:t>4/18/2023</a:t>
             </a:fld>
             <a:endParaRPr lang="en-US"/>
           </a:p>
@@ -2667,7 +2666,7 @@
           <a:p>
             <a:fld id="{FC71C662-0A09-434E-AAE5-5159A3DAB153}" type="datetime1">
               <a:rPr lang="en-US" smtClean="0"/>
-              <a:t>4/15/2023</a:t>
+              <a:t>4/18/2023</a:t>
             </a:fld>
             <a:endParaRPr lang="en-US"/>
           </a:p>
@@ -2924,7 +2923,7 @@
           <a:p>
             <a:fld id="{96E1C0E6-B513-446F-AAA1-CA5A4B0FD833}" type="datetime1">
               <a:rPr lang="en-US" smtClean="0"/>
-              <a:t>4/15/2023</a:t>
+              <a:t>4/18/2023</a:t>
             </a:fld>
             <a:endParaRPr lang="en-US"/>
           </a:p>
@@ -3141,7 +3140,7 @@
           <a:p>
             <a:fld id="{EEB9B53E-3028-47A0-AB40-E02EC842F787}" type="datetime1">
               <a:rPr lang="en-US" smtClean="0"/>
-              <a:t>4/15/2023</a:t>
+              <a:t>4/18/2023</a:t>
             </a:fld>
             <a:endParaRPr lang="en-US"/>
           </a:p>
@@ -3553,25 +3552,6 @@
       </p:grpSpPr>
       <p:sp>
         <p:nvSpPr>
-          <p:cNvPr id="8" name="Title 7"/>
-          <p:cNvSpPr>
-            <a:spLocks noGrp="1"/>
-          </p:cNvSpPr>
-          <p:nvPr>
-            <p:ph type="title"/>
-          </p:nvPr>
-        </p:nvSpPr>
-        <p:spPr/>
-        <p:txBody>
-          <a:bodyPr/>
-          <a:lstStyle/>
-          <a:p>
-            <a:endParaRPr lang="en-US"/>
-          </a:p>
-        </p:txBody>
-      </p:sp>
-      <p:sp>
-        <p:nvSpPr>
           <p:cNvPr id="9" name="Content Placeholder 8"/>
           <p:cNvSpPr>
             <a:spLocks noGrp="1"/>
@@ -3580,10 +3560,113 @@
             <p:ph idx="1"/>
           </p:nvPr>
         </p:nvSpPr>
-        <p:spPr/>
-        <p:txBody>
-          <a:bodyPr/>
-          <a:lstStyle/>
+        <p:spPr>
+          <a:xfrm>
+            <a:off x="838200" y="425302"/>
+            <a:ext cx="10515600" cy="5751661"/>
+          </a:xfrm>
+        </p:spPr>
+        <p:txBody>
+          <a:bodyPr>
+            <a:normAutofit fontScale="85000" lnSpcReduction="20000"/>
+          </a:bodyPr>
+          <a:lstStyle/>
+          <a:p>
+            <a:r>
+              <a:rPr lang="en-US" dirty="0" smtClean="0"/>
+              <a:t>The stack data structure is sequential collection of elements  that follows the principle of list in first out(LIFO)</a:t>
+            </a:r>
+          </a:p>
+          <a:p>
+            <a:r>
+              <a:rPr lang="en-US" dirty="0" smtClean="0"/>
+              <a:t>The last element inserted into the stack is the first element to be removed.</a:t>
+            </a:r>
+          </a:p>
+          <a:p>
+            <a:r>
+              <a:rPr lang="en-US" dirty="0" smtClean="0"/>
+              <a:t>A stack of plated the last plate placed on the top of the stack is also the first plate to be removed from the stack.</a:t>
+            </a:r>
+          </a:p>
+          <a:p>
+            <a:r>
+              <a:rPr lang="en-US" dirty="0" smtClean="0"/>
+              <a:t>Stack is an abstract data type. It is defined by its behavior rather than being a mathematical model.</a:t>
+            </a:r>
+          </a:p>
+          <a:p>
+            <a:r>
+              <a:rPr lang="en-US" dirty="0" smtClean="0"/>
+              <a:t>The stack data structure supports two mai</a:t>
+            </a:r>
+            <a:r>
+              <a:rPr lang="en-US" dirty="0" smtClean="0"/>
+              <a:t>n operations</a:t>
+            </a:r>
+          </a:p>
+          <a:p>
+            <a:r>
+              <a:rPr lang="en-US" dirty="0" smtClean="0"/>
+              <a:t>Push, which adds an element to the collection </a:t>
+            </a:r>
+          </a:p>
+          <a:p>
+            <a:r>
+              <a:rPr lang="en-US" dirty="0" smtClean="0"/>
+              <a:t>Pop, which removed the most recently added element from the collection.</a:t>
+            </a:r>
+          </a:p>
+          <a:p>
+            <a:pPr marL="0" indent="0">
+              <a:buNone/>
+            </a:pPr>
+            <a:endParaRPr lang="en-US" dirty="0" smtClean="0"/>
+          </a:p>
+          <a:p>
+            <a:r>
+              <a:rPr lang="en-US" dirty="0"/>
+              <a:t>Stacks usage –</a:t>
+            </a:r>
+          </a:p>
+          <a:p>
+            <a:r>
+              <a:rPr lang="en-US" dirty="0"/>
+              <a:t>Browser history tracking</a:t>
+            </a:r>
+          </a:p>
+          <a:p>
+            <a:r>
+              <a:rPr lang="en-US" dirty="0"/>
+              <a:t>Undo operation when typing</a:t>
+            </a:r>
+          </a:p>
+          <a:p>
+            <a:r>
+              <a:rPr lang="en-US" dirty="0"/>
+              <a:t>Expression conversion</a:t>
+            </a:r>
+          </a:p>
+          <a:p>
+            <a:r>
+              <a:rPr lang="en-US" dirty="0"/>
+              <a:t>Call stack in </a:t>
+            </a:r>
+            <a:r>
+              <a:rPr lang="en-US" dirty="0" err="1"/>
+              <a:t>javascritp</a:t>
+            </a:r>
+            <a:r>
+              <a:rPr lang="en-US" dirty="0"/>
+              <a:t> runtime</a:t>
+            </a:r>
+          </a:p>
+          <a:p>
+            <a:endParaRPr lang="en-US" dirty="0" smtClean="0"/>
+          </a:p>
+          <a:p>
+            <a:endParaRPr lang="en-US" dirty="0" smtClean="0"/>
+          </a:p>
           <a:p>
             <a:endParaRPr lang="en-US" dirty="0"/>
           </a:p>
@@ -3610,7 +3693,7 @@
                   <a:schemeClr val="tx1"/>
                 </a:solidFill>
               </a:rPr>
-              <a:t>Arrays</a:t>
+              <a:t>Stacks</a:t>
             </a:r>
             <a:endParaRPr lang="en-US" b="1" dirty="0">
               <a:solidFill>
@@ -3652,12 +3735,82 @@
       </p:grpSpPr>
       <p:sp>
         <p:nvSpPr>
-          <p:cNvPr id="2" name="Title 1"/>
-          <p:cNvSpPr>
-            <a:spLocks noGrp="1"/>
-          </p:cNvSpPr>
-          <p:nvPr>
-            <p:ph type="title"/>
+          <p:cNvPr id="3" name="Content Placeholder 2"/>
+          <p:cNvSpPr>
+            <a:spLocks noGrp="1"/>
+          </p:cNvSpPr>
+          <p:nvPr>
+            <p:ph idx="1"/>
+          </p:nvPr>
+        </p:nvSpPr>
+        <p:spPr>
+          <a:xfrm>
+            <a:off x="928511" y="377031"/>
+            <a:ext cx="10515600" cy="4351338"/>
+          </a:xfrm>
+        </p:spPr>
+        <p:txBody>
+          <a:bodyPr>
+            <a:normAutofit/>
+          </a:bodyPr>
+          <a:lstStyle/>
+          <a:p>
+            <a:r>
+              <a:rPr lang="en-US" sz="2000" dirty="0" smtClean="0"/>
+              <a:t>Stack Implementation</a:t>
+            </a:r>
+          </a:p>
+          <a:p>
+            <a:r>
+              <a:rPr lang="en-US" sz="2000" dirty="0" smtClean="0"/>
+              <a:t>Push(element) =- add an element to the  top of the stack</a:t>
+            </a:r>
+          </a:p>
+          <a:p>
+            <a:r>
+              <a:rPr lang="en-US" sz="2000" dirty="0" smtClean="0"/>
+              <a:t>Pop() – remove the  top element from the stack</a:t>
+            </a:r>
+          </a:p>
+          <a:p>
+            <a:r>
+              <a:rPr lang="en-US" sz="2000" dirty="0" smtClean="0"/>
+              <a:t>Peek()- get  the value of the top element without removing it</a:t>
+            </a:r>
+          </a:p>
+          <a:p>
+            <a:r>
+              <a:rPr lang="en-US" sz="2000" dirty="0" err="1" smtClean="0"/>
+              <a:t>isEmpty</a:t>
+            </a:r>
+            <a:r>
+              <a:rPr lang="en-US" sz="2000" dirty="0" smtClean="0"/>
+              <a:t>() -  check if the stack is empty</a:t>
+            </a:r>
+          </a:p>
+          <a:p>
+            <a:r>
+              <a:rPr lang="en-US" sz="2000" dirty="0" smtClean="0"/>
+              <a:t>Size() – get the number of elements in the stack</a:t>
+            </a:r>
+          </a:p>
+          <a:p>
+            <a:r>
+              <a:rPr lang="en-US" sz="2000" dirty="0" smtClean="0"/>
+              <a:t>Print() – visualize the elements in the stack</a:t>
+            </a:r>
+            <a:endParaRPr lang="en-US" sz="2000" dirty="0"/>
+          </a:p>
+        </p:txBody>
+      </p:sp>
+      <p:sp>
+        <p:nvSpPr>
+          <p:cNvPr id="4" name="Footer Placeholder 3"/>
+          <p:cNvSpPr>
+            <a:spLocks noGrp="1"/>
+          </p:cNvSpPr>
+          <p:nvPr>
+            <p:ph type="ftr" sz="quarter" idx="11"/>
           </p:nvPr>
         </p:nvSpPr>
         <p:spPr/>
@@ -3665,147 +3818,50 @@
           <a:bodyPr/>
           <a:lstStyle/>
           <a:p>
-            <a:endParaRPr lang="en-US"/>
-          </a:p>
-        </p:txBody>
-      </p:sp>
-      <p:sp>
-        <p:nvSpPr>
-          <p:cNvPr id="3" name="Content Placeholder 2"/>
-          <p:cNvSpPr>
-            <a:spLocks noGrp="1"/>
-          </p:cNvSpPr>
-          <p:nvPr>
-            <p:ph idx="1"/>
-          </p:nvPr>
-        </p:nvSpPr>
-        <p:spPr/>
-        <p:txBody>
-          <a:bodyPr/>
-          <a:lstStyle/>
-          <a:p>
-            <a:endParaRPr lang="en-US"/>
-          </a:p>
-        </p:txBody>
-      </p:sp>
-      <p:sp>
-        <p:nvSpPr>
-          <p:cNvPr id="4" name="Footer Placeholder 3"/>
-          <p:cNvSpPr>
-            <a:spLocks noGrp="1"/>
-          </p:cNvSpPr>
-          <p:nvPr>
-            <p:ph type="ftr" sz="quarter" idx="11"/>
-          </p:nvPr>
-        </p:nvSpPr>
-        <p:spPr/>
-        <p:txBody>
-          <a:bodyPr/>
-          <a:lstStyle/>
-          <a:p>
-            <a:r>
-              <a:rPr lang="en-US" smtClean="0"/>
-              <a:t>Data Structures</a:t>
-            </a:r>
-            <a:endParaRPr lang="en-US"/>
-          </a:p>
-        </p:txBody>
-      </p:sp>
+            <a:r>
+              <a:rPr lang="en-US" b="1" dirty="0">
+                <a:solidFill>
+                  <a:schemeClr val="tx1"/>
+                </a:solidFill>
+              </a:rPr>
+              <a:t>Stacks</a:t>
+            </a:r>
+            <a:endParaRPr lang="en-US" b="1" dirty="0">
+              <a:solidFill>
+                <a:schemeClr val="tx1"/>
+              </a:solidFill>
+            </a:endParaRPr>
+          </a:p>
+        </p:txBody>
+      </p:sp>
+      <p:pic>
+        <p:nvPicPr>
+          <p:cNvPr id="7" name="Picture 6"/>
+          <p:cNvPicPr>
+            <a:picLocks noChangeAspect="1"/>
+          </p:cNvPicPr>
+          <p:nvPr/>
+        </p:nvPicPr>
+        <p:blipFill>
+          <a:blip r:embed="rId2"/>
+          <a:stretch>
+            <a:fillRect/>
+          </a:stretch>
+        </p:blipFill>
+        <p:spPr>
+          <a:xfrm>
+            <a:off x="796597" y="3323772"/>
+            <a:ext cx="9087632" cy="2815220"/>
+          </a:xfrm>
+          <a:prstGeom prst="rect">
+            <a:avLst/>
+          </a:prstGeom>
+        </p:spPr>
+      </p:pic>
     </p:spTree>
     <p:extLst>
       <p:ext uri="{BB962C8B-B14F-4D97-AF65-F5344CB8AC3E}">
-        <p14:creationId xmlns:p14="http://schemas.microsoft.com/office/powerpoint/2010/main" val="2899019480"/>
-      </p:ext>
-    </p:extLst>
-  </p:cSld>
-  <p:clrMapOvr>
-    <a:masterClrMapping/>
-  </p:clrMapOvr>
-</p:sld>
-</file>
-
-<file path=ppt/slides/slide3.xml><?xml version="1.0" encoding="utf-8"?>
-<p:sld xmlns:a="http://schemas.openxmlformats.org/drawingml/2006/main" xmlns:r="http://schemas.openxmlformats.org/officeDocument/2006/relationships" xmlns:p="http://schemas.openxmlformats.org/presentationml/2006/main">
-  <p:cSld>
-    <p:spTree>
-      <p:nvGrpSpPr>
-        <p:cNvPr id="1" name=""/>
-        <p:cNvGrpSpPr/>
-        <p:nvPr/>
-      </p:nvGrpSpPr>
-      <p:grpSpPr>
-        <a:xfrm>
-          <a:off x="0" y="0"/>
-          <a:ext cx="0" cy="0"/>
-          <a:chOff x="0" y="0"/>
-          <a:chExt cx="0" cy="0"/>
-        </a:xfrm>
-      </p:grpSpPr>
-      <p:sp>
-        <p:nvSpPr>
-          <p:cNvPr id="2" name="Title 1"/>
-          <p:cNvSpPr>
-            <a:spLocks noGrp="1"/>
-          </p:cNvSpPr>
-          <p:nvPr>
-            <p:ph type="title"/>
-          </p:nvPr>
-        </p:nvSpPr>
-        <p:spPr/>
-        <p:txBody>
-          <a:bodyPr/>
-          <a:lstStyle/>
-          <a:p>
-            <a:endParaRPr lang="en-US"/>
-          </a:p>
-        </p:txBody>
-      </p:sp>
-      <p:sp>
-        <p:nvSpPr>
-          <p:cNvPr id="3" name="Content Placeholder 2"/>
-          <p:cNvSpPr>
-            <a:spLocks noGrp="1"/>
-          </p:cNvSpPr>
-          <p:nvPr>
-            <p:ph idx="1"/>
-          </p:nvPr>
-        </p:nvSpPr>
-        <p:spPr/>
-        <p:txBody>
-          <a:bodyPr/>
-          <a:lstStyle/>
-          <a:p>
-            <a:endParaRPr lang="en-US"/>
-          </a:p>
-        </p:txBody>
-      </p:sp>
-      <p:sp>
-        <p:nvSpPr>
-          <p:cNvPr id="4" name="Footer Placeholder 3"/>
-          <p:cNvSpPr>
-            <a:spLocks noGrp="1"/>
-          </p:cNvSpPr>
-          <p:nvPr>
-            <p:ph type="ftr" sz="quarter" idx="11"/>
-          </p:nvPr>
-        </p:nvSpPr>
-        <p:spPr/>
-        <p:txBody>
-          <a:bodyPr/>
-          <a:lstStyle/>
-          <a:p>
-            <a:r>
-              <a:rPr lang="en-US" smtClean="0"/>
-              <a:t>Data Structures</a:t>
-            </a:r>
-            <a:endParaRPr lang="en-US"/>
-          </a:p>
-        </p:txBody>
-      </p:sp>
-    </p:spTree>
-    <p:extLst>
-      <p:ext uri="{BB962C8B-B14F-4D97-AF65-F5344CB8AC3E}">
-        <p14:creationId xmlns:p14="http://schemas.microsoft.com/office/powerpoint/2010/main" val="1948746016"/>
+        <p14:creationId xmlns:p14="http://schemas.microsoft.com/office/powerpoint/2010/main" val="1263224221"/>
       </p:ext>
     </p:extLst>
   </p:cSld>
